--- a/Homework03/res/Images.pptx
+++ b/Homework03/res/Images.pptx
@@ -8,6 +8,8 @@
     <p:sldId id="257" r:id="rId2"/>
     <p:sldId id="258" r:id="rId3"/>
     <p:sldId id="259" r:id="rId4"/>
+    <p:sldId id="260" r:id="rId5"/>
+    <p:sldId id="261" r:id="rId6"/>
   </p:sldIdLst>
   <p:sldSz cx="12192000" cy="6858000"/>
   <p:notesSz cx="6858000" cy="9144000"/>
@@ -106,13 +108,18 @@
       </a:defRPr>
     </a:lvl9pPr>
   </p:defaultTextStyle>
+  <p:extLst>
+    <p:ext uri="{EFAFB233-063F-42B5-8137-9DF3F51BA10A}">
+      <p15:sldGuideLst xmlns:p15="http://schemas.microsoft.com/office/powerpoint/2012/main"/>
+    </p:ext>
+  </p:extLst>
 </p:presentation>
 </file>
 
 <file path=ppt/revisionInfo.xml><?xml version="1.0" encoding="utf-8"?>
 <p1510:revInfo xmlns:a="http://schemas.openxmlformats.org/drawingml/2006/main" xmlns:r="http://schemas.openxmlformats.org/officeDocument/2006/relationships" xmlns:p1510="http://schemas.microsoft.com/office/powerpoint/2015/10/main">
   <p1510:revLst>
-    <p1510:client id="{8CF1CE79-9F7C-4E4B-A4A1-E5CCF64D558E}" v="23" dt="2022-10-31T03:50:08.580"/>
+    <p1510:client id="{8CF1CE79-9F7C-4E4B-A4A1-E5CCF64D558E}" v="39" dt="2022-10-31T20:38:07.985"/>
   </p1510:revLst>
 </p1510:revInfo>
 </file>
@@ -121,8 +128,8 @@
 <pc:chgInfo xmlns:a="http://schemas.openxmlformats.org/drawingml/2006/main" xmlns:r="http://schemas.openxmlformats.org/officeDocument/2006/relationships" xmlns:ac="http://schemas.microsoft.com/office/drawing/2013/main/command" xmlns:pc="http://schemas.microsoft.com/office/powerpoint/2013/main/command">
   <pc:docChgLst>
     <pc:chgData name="Nisarg Patel" userId="df94be8979fd8cc1" providerId="LiveId" clId="{8CF1CE79-9F7C-4E4B-A4A1-E5CCF64D558E}"/>
-    <pc:docChg chg="undo custSel addSld modSld">
-      <pc:chgData name="Nisarg Patel" userId="df94be8979fd8cc1" providerId="LiveId" clId="{8CF1CE79-9F7C-4E4B-A4A1-E5CCF64D558E}" dt="2022-10-31T03:52:23.895" v="302" actId="1038"/>
+    <pc:docChg chg="undo custSel addSld delSld modSld">
+      <pc:chgData name="Nisarg Patel" userId="df94be8979fd8cc1" providerId="LiveId" clId="{8CF1CE79-9F7C-4E4B-A4A1-E5CCF64D558E}" dt="2022-10-31T20:38:16.313" v="442" actId="20577"/>
       <pc:docMkLst>
         <pc:docMk/>
       </pc:docMkLst>
@@ -618,6 +625,275 @@
             <ac:cxnSpMk id="15" creationId="{BDAD8A99-6FDB-AEF3-82EC-4C7E454ECAF5}"/>
           </ac:cxnSpMkLst>
         </pc:cxnChg>
+      </pc:sldChg>
+      <pc:sldChg chg="addSp delSp modSp new mod">
+        <pc:chgData name="Nisarg Patel" userId="df94be8979fd8cc1" providerId="LiveId" clId="{8CF1CE79-9F7C-4E4B-A4A1-E5CCF64D558E}" dt="2022-10-31T20:31:14.643" v="371" actId="20577"/>
+        <pc:sldMkLst>
+          <pc:docMk/>
+          <pc:sldMk cId="2169149143" sldId="260"/>
+        </pc:sldMkLst>
+        <pc:spChg chg="del">
+          <ac:chgData name="Nisarg Patel" userId="df94be8979fd8cc1" providerId="LiveId" clId="{8CF1CE79-9F7C-4E4B-A4A1-E5CCF64D558E}" dt="2022-10-31T20:27:04.456" v="304" actId="478"/>
+          <ac:spMkLst>
+            <pc:docMk/>
+            <pc:sldMk cId="2169149143" sldId="260"/>
+            <ac:spMk id="2" creationId="{013D2FE5-5858-5261-EADE-D05FD7ED3AC3}"/>
+          </ac:spMkLst>
+        </pc:spChg>
+        <pc:spChg chg="del">
+          <ac:chgData name="Nisarg Patel" userId="df94be8979fd8cc1" providerId="LiveId" clId="{8CF1CE79-9F7C-4E4B-A4A1-E5CCF64D558E}" dt="2022-10-31T20:27:06.917" v="305" actId="478"/>
+          <ac:spMkLst>
+            <pc:docMk/>
+            <pc:sldMk cId="2169149143" sldId="260"/>
+            <ac:spMk id="3" creationId="{2CA1DA20-93BF-2960-278A-10ACC2963608}"/>
+          </ac:spMkLst>
+        </pc:spChg>
+        <pc:spChg chg="add mod">
+          <ac:chgData name="Nisarg Patel" userId="df94be8979fd8cc1" providerId="LiveId" clId="{8CF1CE79-9F7C-4E4B-A4A1-E5CCF64D558E}" dt="2022-10-31T20:28:58.333" v="342" actId="20577"/>
+          <ac:spMkLst>
+            <pc:docMk/>
+            <pc:sldMk cId="2169149143" sldId="260"/>
+            <ac:spMk id="4" creationId="{BA46D8CF-421A-7E88-D079-908C1C60492F}"/>
+          </ac:spMkLst>
+        </pc:spChg>
+        <pc:spChg chg="add mod">
+          <ac:chgData name="Nisarg Patel" userId="df94be8979fd8cc1" providerId="LiveId" clId="{8CF1CE79-9F7C-4E4B-A4A1-E5CCF64D558E}" dt="2022-10-31T20:29:16.268" v="346" actId="20577"/>
+          <ac:spMkLst>
+            <pc:docMk/>
+            <pc:sldMk cId="2169149143" sldId="260"/>
+            <ac:spMk id="5" creationId="{AB9FE971-E39F-E89A-9E4E-B842BD974DA8}"/>
+          </ac:spMkLst>
+        </pc:spChg>
+        <pc:spChg chg="add mod">
+          <ac:chgData name="Nisarg Patel" userId="df94be8979fd8cc1" providerId="LiveId" clId="{8CF1CE79-9F7C-4E4B-A4A1-E5CCF64D558E}" dt="2022-10-31T20:31:14.643" v="371" actId="20577"/>
+          <ac:spMkLst>
+            <pc:docMk/>
+            <pc:sldMk cId="2169149143" sldId="260"/>
+            <ac:spMk id="10" creationId="{ED0C4361-5308-10AA-E30E-EE606B6C6B7B}"/>
+          </ac:spMkLst>
+        </pc:spChg>
+        <pc:spChg chg="add mod">
+          <ac:chgData name="Nisarg Patel" userId="df94be8979fd8cc1" providerId="LiveId" clId="{8CF1CE79-9F7C-4E4B-A4A1-E5CCF64D558E}" dt="2022-10-31T20:31:12.073" v="368" actId="20577"/>
+          <ac:spMkLst>
+            <pc:docMk/>
+            <pc:sldMk cId="2169149143" sldId="260"/>
+            <ac:spMk id="11" creationId="{A9164B03-88D8-0029-6952-510A6B608AC1}"/>
+          </ac:spMkLst>
+        </pc:spChg>
+        <pc:cxnChg chg="add mod">
+          <ac:chgData name="Nisarg Patel" userId="df94be8979fd8cc1" providerId="LiveId" clId="{8CF1CE79-9F7C-4E4B-A4A1-E5CCF64D558E}" dt="2022-10-31T20:29:52.763" v="351" actId="692"/>
+          <ac:cxnSpMkLst>
+            <pc:docMk/>
+            <pc:sldMk cId="2169149143" sldId="260"/>
+            <ac:cxnSpMk id="7" creationId="{423CB315-CB22-E104-9BCC-0C94525FC07D}"/>
+          </ac:cxnSpMkLst>
+        </pc:cxnChg>
+        <pc:cxnChg chg="add mod">
+          <ac:chgData name="Nisarg Patel" userId="df94be8979fd8cc1" providerId="LiveId" clId="{8CF1CE79-9F7C-4E4B-A4A1-E5CCF64D558E}" dt="2022-10-31T20:29:52.763" v="351" actId="692"/>
+          <ac:cxnSpMkLst>
+            <pc:docMk/>
+            <pc:sldMk cId="2169149143" sldId="260"/>
+            <ac:cxnSpMk id="9" creationId="{28FAF7C9-BF47-951C-6870-3229CE6E9299}"/>
+          </ac:cxnSpMkLst>
+        </pc:cxnChg>
+      </pc:sldChg>
+      <pc:sldChg chg="addSp delSp modSp new mod">
+        <pc:chgData name="Nisarg Patel" userId="df94be8979fd8cc1" providerId="LiveId" clId="{8CF1CE79-9F7C-4E4B-A4A1-E5CCF64D558E}" dt="2022-10-31T20:38:16.313" v="442" actId="20577"/>
+        <pc:sldMkLst>
+          <pc:docMk/>
+          <pc:sldMk cId="1768612619" sldId="261"/>
+        </pc:sldMkLst>
+        <pc:spChg chg="del">
+          <ac:chgData name="Nisarg Patel" userId="df94be8979fd8cc1" providerId="LiveId" clId="{8CF1CE79-9F7C-4E4B-A4A1-E5CCF64D558E}" dt="2022-10-31T20:31:25.171" v="373" actId="478"/>
+          <ac:spMkLst>
+            <pc:docMk/>
+            <pc:sldMk cId="1768612619" sldId="261"/>
+            <ac:spMk id="2" creationId="{9F7ED5F3-0497-1F4D-8937-C4542E556296}"/>
+          </ac:spMkLst>
+        </pc:spChg>
+        <pc:spChg chg="del">
+          <ac:chgData name="Nisarg Patel" userId="df94be8979fd8cc1" providerId="LiveId" clId="{8CF1CE79-9F7C-4E4B-A4A1-E5CCF64D558E}" dt="2022-10-31T20:31:27.134" v="374" actId="478"/>
+          <ac:spMkLst>
+            <pc:docMk/>
+            <pc:sldMk cId="1768612619" sldId="261"/>
+            <ac:spMk id="3" creationId="{11A1163B-B770-B08D-1A03-512E685AE4F3}"/>
+          </ac:spMkLst>
+        </pc:spChg>
+        <pc:spChg chg="add del mod">
+          <ac:chgData name="Nisarg Patel" userId="df94be8979fd8cc1" providerId="LiveId" clId="{8CF1CE79-9F7C-4E4B-A4A1-E5CCF64D558E}" dt="2022-10-31T20:32:30.618" v="378" actId="478"/>
+          <ac:spMkLst>
+            <pc:docMk/>
+            <pc:sldMk cId="1768612619" sldId="261"/>
+            <ac:spMk id="5" creationId="{AA66F2FF-FF57-EBEF-9AF2-9484CFE4C043}"/>
+          </ac:spMkLst>
+        </pc:spChg>
+        <pc:spChg chg="add del mod">
+          <ac:chgData name="Nisarg Patel" userId="df94be8979fd8cc1" providerId="LiveId" clId="{8CF1CE79-9F7C-4E4B-A4A1-E5CCF64D558E}" dt="2022-10-31T20:32:30.618" v="378" actId="478"/>
+          <ac:spMkLst>
+            <pc:docMk/>
+            <pc:sldMk cId="1768612619" sldId="261"/>
+            <ac:spMk id="7" creationId="{18353D73-A302-9A2C-4D60-B6EA3478AEFE}"/>
+          </ac:spMkLst>
+        </pc:spChg>
+        <pc:spChg chg="add del mod">
+          <ac:chgData name="Nisarg Patel" userId="df94be8979fd8cc1" providerId="LiveId" clId="{8CF1CE79-9F7C-4E4B-A4A1-E5CCF64D558E}" dt="2022-10-31T20:32:30.618" v="378" actId="478"/>
+          <ac:spMkLst>
+            <pc:docMk/>
+            <pc:sldMk cId="1768612619" sldId="261"/>
+            <ac:spMk id="8" creationId="{3D4C92D4-AEB1-626C-FADA-E1220B32844A}"/>
+          </ac:spMkLst>
+        </pc:spChg>
+        <pc:spChg chg="add del mod">
+          <ac:chgData name="Nisarg Patel" userId="df94be8979fd8cc1" providerId="LiveId" clId="{8CF1CE79-9F7C-4E4B-A4A1-E5CCF64D558E}" dt="2022-10-31T20:32:30.618" v="378" actId="478"/>
+          <ac:spMkLst>
+            <pc:docMk/>
+            <pc:sldMk cId="1768612619" sldId="261"/>
+            <ac:spMk id="9" creationId="{54A07BDE-0866-8092-1057-F60B0CD9A09A}"/>
+          </ac:spMkLst>
+        </pc:spChg>
+        <pc:spChg chg="add del mod">
+          <ac:chgData name="Nisarg Patel" userId="df94be8979fd8cc1" providerId="LiveId" clId="{8CF1CE79-9F7C-4E4B-A4A1-E5CCF64D558E}" dt="2022-10-31T20:32:30.618" v="378" actId="478"/>
+          <ac:spMkLst>
+            <pc:docMk/>
+            <pc:sldMk cId="1768612619" sldId="261"/>
+            <ac:spMk id="10" creationId="{BC76A8D9-B70A-62DC-D3D0-F827F0FBC752}"/>
+          </ac:spMkLst>
+        </pc:spChg>
+        <pc:spChg chg="add del mod">
+          <ac:chgData name="Nisarg Patel" userId="df94be8979fd8cc1" providerId="LiveId" clId="{8CF1CE79-9F7C-4E4B-A4A1-E5CCF64D558E}" dt="2022-10-31T20:32:30.618" v="378" actId="478"/>
+          <ac:spMkLst>
+            <pc:docMk/>
+            <pc:sldMk cId="1768612619" sldId="261"/>
+            <ac:spMk id="11" creationId="{621726AA-19B8-BA95-0BCF-35F2FCFD34E5}"/>
+          </ac:spMkLst>
+        </pc:spChg>
+        <pc:spChg chg="add del mod">
+          <ac:chgData name="Nisarg Patel" userId="df94be8979fd8cc1" providerId="LiveId" clId="{8CF1CE79-9F7C-4E4B-A4A1-E5CCF64D558E}" dt="2022-10-31T20:32:30.618" v="378" actId="478"/>
+          <ac:spMkLst>
+            <pc:docMk/>
+            <pc:sldMk cId="1768612619" sldId="261"/>
+            <ac:spMk id="12" creationId="{D087CC34-D266-F696-5CBE-DB2B9D3F586D}"/>
+          </ac:spMkLst>
+        </pc:spChg>
+        <pc:spChg chg="add mod">
+          <ac:chgData name="Nisarg Patel" userId="df94be8979fd8cc1" providerId="LiveId" clId="{8CF1CE79-9F7C-4E4B-A4A1-E5CCF64D558E}" dt="2022-10-31T20:34:58.684" v="403" actId="1076"/>
+          <ac:spMkLst>
+            <pc:docMk/>
+            <pc:sldMk cId="1768612619" sldId="261"/>
+            <ac:spMk id="17" creationId="{33D713F3-DF1C-AE75-323F-FA47FB168A0D}"/>
+          </ac:spMkLst>
+        </pc:spChg>
+        <pc:spChg chg="add mod">
+          <ac:chgData name="Nisarg Patel" userId="df94be8979fd8cc1" providerId="LiveId" clId="{8CF1CE79-9F7C-4E4B-A4A1-E5CCF64D558E}" dt="2022-10-31T20:34:53.106" v="402" actId="1076"/>
+          <ac:spMkLst>
+            <pc:docMk/>
+            <pc:sldMk cId="1768612619" sldId="261"/>
+            <ac:spMk id="19" creationId="{C74333C2-E260-3E44-516D-DA5F901C4193}"/>
+          </ac:spMkLst>
+        </pc:spChg>
+        <pc:spChg chg="add mod">
+          <ac:chgData name="Nisarg Patel" userId="df94be8979fd8cc1" providerId="LiveId" clId="{8CF1CE79-9F7C-4E4B-A4A1-E5CCF64D558E}" dt="2022-10-31T20:37:52.578" v="432" actId="1076"/>
+          <ac:spMkLst>
+            <pc:docMk/>
+            <pc:sldMk cId="1768612619" sldId="261"/>
+            <ac:spMk id="29" creationId="{EDDB17EE-59A3-EDB6-C340-D16667F44F31}"/>
+          </ac:spMkLst>
+        </pc:spChg>
+        <pc:spChg chg="add mod">
+          <ac:chgData name="Nisarg Patel" userId="df94be8979fd8cc1" providerId="LiveId" clId="{8CF1CE79-9F7C-4E4B-A4A1-E5CCF64D558E}" dt="2022-10-31T20:38:05.625" v="436" actId="20577"/>
+          <ac:spMkLst>
+            <pc:docMk/>
+            <pc:sldMk cId="1768612619" sldId="261"/>
+            <ac:spMk id="30" creationId="{16BBAAF9-AFC8-6F32-7EFB-D1FE702934CD}"/>
+          </ac:spMkLst>
+        </pc:spChg>
+        <pc:spChg chg="add mod">
+          <ac:chgData name="Nisarg Patel" userId="df94be8979fd8cc1" providerId="LiveId" clId="{8CF1CE79-9F7C-4E4B-A4A1-E5CCF64D558E}" dt="2022-10-31T20:38:16.313" v="442" actId="20577"/>
+          <ac:spMkLst>
+            <pc:docMk/>
+            <pc:sldMk cId="1768612619" sldId="261"/>
+            <ac:spMk id="31" creationId="{4C59C7EB-066E-85FE-CED5-472F1FED8C0B}"/>
+          </ac:spMkLst>
+        </pc:spChg>
+        <pc:cxnChg chg="add del mod">
+          <ac:chgData name="Nisarg Patel" userId="df94be8979fd8cc1" providerId="LiveId" clId="{8CF1CE79-9F7C-4E4B-A4A1-E5CCF64D558E}" dt="2022-10-31T20:32:30.618" v="378" actId="478"/>
+          <ac:cxnSpMkLst>
+            <pc:docMk/>
+            <pc:sldMk cId="1768612619" sldId="261"/>
+            <ac:cxnSpMk id="4" creationId="{EE85BA99-7669-8CDA-17CA-C68ECF070751}"/>
+          </ac:cxnSpMkLst>
+        </pc:cxnChg>
+        <pc:cxnChg chg="add del mod">
+          <ac:chgData name="Nisarg Patel" userId="df94be8979fd8cc1" providerId="LiveId" clId="{8CF1CE79-9F7C-4E4B-A4A1-E5CCF64D558E}" dt="2022-10-31T20:32:30.618" v="378" actId="478"/>
+          <ac:cxnSpMkLst>
+            <pc:docMk/>
+            <pc:sldMk cId="1768612619" sldId="261"/>
+            <ac:cxnSpMk id="6" creationId="{8FB733CF-9D89-5977-6677-9D09245B30DF}"/>
+          </ac:cxnSpMkLst>
+        </pc:cxnChg>
+        <pc:cxnChg chg="add mod">
+          <ac:chgData name="Nisarg Patel" userId="df94be8979fd8cc1" providerId="LiveId" clId="{8CF1CE79-9F7C-4E4B-A4A1-E5CCF64D558E}" dt="2022-10-31T20:33:23.820" v="384" actId="692"/>
+          <ac:cxnSpMkLst>
+            <pc:docMk/>
+            <pc:sldMk cId="1768612619" sldId="261"/>
+            <ac:cxnSpMk id="14" creationId="{469C73A4-E7EC-9961-D643-C8AC3D6E6E88}"/>
+          </ac:cxnSpMkLst>
+        </pc:cxnChg>
+        <pc:cxnChg chg="add mod">
+          <ac:chgData name="Nisarg Patel" userId="df94be8979fd8cc1" providerId="LiveId" clId="{8CF1CE79-9F7C-4E4B-A4A1-E5CCF64D558E}" dt="2022-10-31T20:33:23.820" v="384" actId="692"/>
+          <ac:cxnSpMkLst>
+            <pc:docMk/>
+            <pc:sldMk cId="1768612619" sldId="261"/>
+            <ac:cxnSpMk id="15" creationId="{1F02D448-D163-E7FE-B07B-4CB1E97A371C}"/>
+          </ac:cxnSpMkLst>
+        </pc:cxnChg>
+        <pc:cxnChg chg="add del mod">
+          <ac:chgData name="Nisarg Patel" userId="df94be8979fd8cc1" providerId="LiveId" clId="{8CF1CE79-9F7C-4E4B-A4A1-E5CCF64D558E}" dt="2022-10-31T20:33:40.893" v="386"/>
+          <ac:cxnSpMkLst>
+            <pc:docMk/>
+            <pc:sldMk cId="1768612619" sldId="261"/>
+            <ac:cxnSpMk id="16" creationId="{00F443D9-A928-B460-FD5C-5B2C78571602}"/>
+          </ac:cxnSpMkLst>
+        </pc:cxnChg>
+        <pc:cxnChg chg="add del mod">
+          <ac:chgData name="Nisarg Patel" userId="df94be8979fd8cc1" providerId="LiveId" clId="{8CF1CE79-9F7C-4E4B-A4A1-E5CCF64D558E}" dt="2022-10-31T20:34:09.036" v="390"/>
+          <ac:cxnSpMkLst>
+            <pc:docMk/>
+            <pc:sldMk cId="1768612619" sldId="261"/>
+            <ac:cxnSpMk id="18" creationId="{190DD5B7-FC4A-42EA-0130-D4C02B3CF8F6}"/>
+          </ac:cxnSpMkLst>
+        </pc:cxnChg>
+        <pc:cxnChg chg="add mod">
+          <ac:chgData name="Nisarg Patel" userId="df94be8979fd8cc1" providerId="LiveId" clId="{8CF1CE79-9F7C-4E4B-A4A1-E5CCF64D558E}" dt="2022-10-31T20:36:37.072" v="412" actId="1076"/>
+          <ac:cxnSpMkLst>
+            <pc:docMk/>
+            <pc:sldMk cId="1768612619" sldId="261"/>
+            <ac:cxnSpMk id="21" creationId="{00D11C70-02DF-176A-D8FE-91A149A8B34C}"/>
+          </ac:cxnSpMkLst>
+        </pc:cxnChg>
+        <pc:cxnChg chg="add mod">
+          <ac:chgData name="Nisarg Patel" userId="df94be8979fd8cc1" providerId="LiveId" clId="{8CF1CE79-9F7C-4E4B-A4A1-E5CCF64D558E}" dt="2022-10-31T20:36:59.318" v="415" actId="692"/>
+          <ac:cxnSpMkLst>
+            <pc:docMk/>
+            <pc:sldMk cId="1768612619" sldId="261"/>
+            <ac:cxnSpMk id="24" creationId="{C925409A-A759-D06D-6A6B-34AB2EA6A17E}"/>
+          </ac:cxnSpMkLst>
+        </pc:cxnChg>
+        <pc:cxnChg chg="add mod">
+          <ac:chgData name="Nisarg Patel" userId="df94be8979fd8cc1" providerId="LiveId" clId="{8CF1CE79-9F7C-4E4B-A4A1-E5CCF64D558E}" dt="2022-10-31T20:37:12.814" v="418" actId="14100"/>
+          <ac:cxnSpMkLst>
+            <pc:docMk/>
+            <pc:sldMk cId="1768612619" sldId="261"/>
+            <ac:cxnSpMk id="26" creationId="{52E8EA53-3750-A4FA-E29B-44F087B05E02}"/>
+          </ac:cxnSpMkLst>
+        </pc:cxnChg>
+      </pc:sldChg>
+      <pc:sldChg chg="new del">
+        <pc:chgData name="Nisarg Patel" userId="df94be8979fd8cc1" providerId="LiveId" clId="{8CF1CE79-9F7C-4E4B-A4A1-E5CCF64D558E}" dt="2022-10-31T20:32:11.556" v="376" actId="47"/>
+        <pc:sldMkLst>
+          <pc:docMk/>
+          <pc:sldMk cId="522360791" sldId="262"/>
+        </pc:sldMkLst>
       </pc:sldChg>
     </pc:docChg>
   </pc:docChgLst>
@@ -771,7 +1047,7 @@
           <a:p>
             <a:fld id="{DADEEE24-E101-466E-94C4-C25F8B77E541}" type="datetimeFigureOut">
               <a:rPr lang="en-US" smtClean="0"/>
-              <a:t>10/30/2022</a:t>
+              <a:t>10/31/2022</a:t>
             </a:fld>
             <a:endParaRPr lang="en-US"/>
           </a:p>
@@ -969,7 +1245,7 @@
           <a:p>
             <a:fld id="{DADEEE24-E101-466E-94C4-C25F8B77E541}" type="datetimeFigureOut">
               <a:rPr lang="en-US" smtClean="0"/>
-              <a:t>10/30/2022</a:t>
+              <a:t>10/31/2022</a:t>
             </a:fld>
             <a:endParaRPr lang="en-US"/>
           </a:p>
@@ -1177,7 +1453,7 @@
           <a:p>
             <a:fld id="{DADEEE24-E101-466E-94C4-C25F8B77E541}" type="datetimeFigureOut">
               <a:rPr lang="en-US" smtClean="0"/>
-              <a:t>10/30/2022</a:t>
+              <a:t>10/31/2022</a:t>
             </a:fld>
             <a:endParaRPr lang="en-US"/>
           </a:p>
@@ -1375,7 +1651,7 @@
           <a:p>
             <a:fld id="{DADEEE24-E101-466E-94C4-C25F8B77E541}" type="datetimeFigureOut">
               <a:rPr lang="en-US" smtClean="0"/>
-              <a:t>10/30/2022</a:t>
+              <a:t>10/31/2022</a:t>
             </a:fld>
             <a:endParaRPr lang="en-US"/>
           </a:p>
@@ -1650,7 +1926,7 @@
           <a:p>
             <a:fld id="{DADEEE24-E101-466E-94C4-C25F8B77E541}" type="datetimeFigureOut">
               <a:rPr lang="en-US" smtClean="0"/>
-              <a:t>10/30/2022</a:t>
+              <a:t>10/31/2022</a:t>
             </a:fld>
             <a:endParaRPr lang="en-US"/>
           </a:p>
@@ -1915,7 +2191,7 @@
           <a:p>
             <a:fld id="{DADEEE24-E101-466E-94C4-C25F8B77E541}" type="datetimeFigureOut">
               <a:rPr lang="en-US" smtClean="0"/>
-              <a:t>10/30/2022</a:t>
+              <a:t>10/31/2022</a:t>
             </a:fld>
             <a:endParaRPr lang="en-US"/>
           </a:p>
@@ -2327,7 +2603,7 @@
           <a:p>
             <a:fld id="{DADEEE24-E101-466E-94C4-C25F8B77E541}" type="datetimeFigureOut">
               <a:rPr lang="en-US" smtClean="0"/>
-              <a:t>10/30/2022</a:t>
+              <a:t>10/31/2022</a:t>
             </a:fld>
             <a:endParaRPr lang="en-US"/>
           </a:p>
@@ -2468,7 +2744,7 @@
           <a:p>
             <a:fld id="{DADEEE24-E101-466E-94C4-C25F8B77E541}" type="datetimeFigureOut">
               <a:rPr lang="en-US" smtClean="0"/>
-              <a:t>10/30/2022</a:t>
+              <a:t>10/31/2022</a:t>
             </a:fld>
             <a:endParaRPr lang="en-US"/>
           </a:p>
@@ -2581,7 +2857,7 @@
           <a:p>
             <a:fld id="{DADEEE24-E101-466E-94C4-C25F8B77E541}" type="datetimeFigureOut">
               <a:rPr lang="en-US" smtClean="0"/>
-              <a:t>10/30/2022</a:t>
+              <a:t>10/31/2022</a:t>
             </a:fld>
             <a:endParaRPr lang="en-US"/>
           </a:p>
@@ -2892,7 +3168,7 @@
           <a:p>
             <a:fld id="{DADEEE24-E101-466E-94C4-C25F8B77E541}" type="datetimeFigureOut">
               <a:rPr lang="en-US" smtClean="0"/>
-              <a:t>10/30/2022</a:t>
+              <a:t>10/31/2022</a:t>
             </a:fld>
             <a:endParaRPr lang="en-US"/>
           </a:p>
@@ -3180,7 +3456,7 @@
           <a:p>
             <a:fld id="{DADEEE24-E101-466E-94C4-C25F8B77E541}" type="datetimeFigureOut">
               <a:rPr lang="en-US" smtClean="0"/>
-              <a:t>10/30/2022</a:t>
+              <a:t>10/31/2022</a:t>
             </a:fld>
             <a:endParaRPr lang="en-US"/>
           </a:p>
@@ -3421,7 +3697,7 @@
           <a:p>
             <a:fld id="{DADEEE24-E101-466E-94C4-C25F8B77E541}" type="datetimeFigureOut">
               <a:rPr lang="en-US" smtClean="0"/>
-              <a:t>10/30/2022</a:t>
+              <a:t>10/31/2022</a:t>
             </a:fld>
             <a:endParaRPr lang="en-US"/>
           </a:p>
@@ -6087,6 +6363,748 @@
 </p:sld>
 </file>
 
+<file path=ppt/slides/slide4.xml><?xml version="1.0" encoding="utf-8"?>
+<p:sld xmlns:a="http://schemas.openxmlformats.org/drawingml/2006/main" xmlns:r="http://schemas.openxmlformats.org/officeDocument/2006/relationships" xmlns:p="http://schemas.openxmlformats.org/presentationml/2006/main">
+  <p:cSld>
+    <p:spTree>
+      <p:nvGrpSpPr>
+        <p:cNvPr id="1" name=""/>
+        <p:cNvGrpSpPr/>
+        <p:nvPr/>
+      </p:nvGrpSpPr>
+      <p:grpSpPr>
+        <a:xfrm>
+          <a:off x="0" y="0"/>
+          <a:ext cx="0" cy="0"/>
+          <a:chOff x="0" y="0"/>
+          <a:chExt cx="0" cy="0"/>
+        </a:xfrm>
+      </p:grpSpPr>
+      <p:sp>
+        <p:nvSpPr>
+          <p:cNvPr id="4" name="Oval 3">
+            <a:extLst>
+              <a:ext uri="{FF2B5EF4-FFF2-40B4-BE49-F238E27FC236}">
+                <a16:creationId xmlns:a16="http://schemas.microsoft.com/office/drawing/2014/main" id="{BA46D8CF-421A-7E88-D079-908C1C60492F}"/>
+              </a:ext>
+            </a:extLst>
+          </p:cNvPr>
+          <p:cNvSpPr/>
+          <p:nvPr/>
+        </p:nvSpPr>
+        <p:spPr>
+          <a:xfrm>
+            <a:off x="1005840" y="731520"/>
+            <a:ext cx="1280160" cy="1280160"/>
+          </a:xfrm>
+          <a:prstGeom prst="ellipse">
+            <a:avLst/>
+          </a:prstGeom>
+          <a:noFill/>
+          <a:ln w="63500">
+            <a:solidFill>
+              <a:schemeClr val="tx1"/>
+            </a:solidFill>
+          </a:ln>
+        </p:spPr>
+        <p:style>
+          <a:lnRef idx="2">
+            <a:schemeClr val="accent6"/>
+          </a:lnRef>
+          <a:fillRef idx="1">
+            <a:schemeClr val="lt1"/>
+          </a:fillRef>
+          <a:effectRef idx="0">
+            <a:schemeClr val="accent6"/>
+          </a:effectRef>
+          <a:fontRef idx="minor">
+            <a:schemeClr val="dk1"/>
+          </a:fontRef>
+        </p:style>
+        <p:txBody>
+          <a:bodyPr rtlCol="0" anchor="ctr"/>
+          <a:lstStyle/>
+          <a:p>
+            <a:pPr algn="ctr"/>
+            <a:r>
+              <a:rPr lang="en-US" sz="4000" dirty="0"/>
+              <a:t>P</a:t>
+            </a:r>
+          </a:p>
+        </p:txBody>
+      </p:sp>
+      <p:sp>
+        <p:nvSpPr>
+          <p:cNvPr id="5" name="Oval 4">
+            <a:extLst>
+              <a:ext uri="{FF2B5EF4-FFF2-40B4-BE49-F238E27FC236}">
+                <a16:creationId xmlns:a16="http://schemas.microsoft.com/office/drawing/2014/main" id="{AB9FE971-E39F-E89A-9E4E-B842BD974DA8}"/>
+              </a:ext>
+            </a:extLst>
+          </p:cNvPr>
+          <p:cNvSpPr/>
+          <p:nvPr/>
+        </p:nvSpPr>
+        <p:spPr>
+          <a:xfrm>
+            <a:off x="5242560" y="731520"/>
+            <a:ext cx="1280160" cy="1280160"/>
+          </a:xfrm>
+          <a:prstGeom prst="ellipse">
+            <a:avLst/>
+          </a:prstGeom>
+          <a:noFill/>
+          <a:ln w="63500">
+            <a:solidFill>
+              <a:schemeClr val="tx1"/>
+            </a:solidFill>
+          </a:ln>
+        </p:spPr>
+        <p:style>
+          <a:lnRef idx="2">
+            <a:schemeClr val="accent6"/>
+          </a:lnRef>
+          <a:fillRef idx="1">
+            <a:schemeClr val="lt1"/>
+          </a:fillRef>
+          <a:effectRef idx="0">
+            <a:schemeClr val="accent6"/>
+          </a:effectRef>
+          <a:fontRef idx="minor">
+            <a:schemeClr val="dk1"/>
+          </a:fontRef>
+        </p:style>
+        <p:txBody>
+          <a:bodyPr rtlCol="0" anchor="ctr"/>
+          <a:lstStyle/>
+          <a:p>
+            <a:pPr algn="ctr"/>
+            <a:r>
+              <a:rPr lang="en-US" sz="4000" dirty="0"/>
+              <a:t>Q</a:t>
+            </a:r>
+          </a:p>
+        </p:txBody>
+      </p:sp>
+      <p:cxnSp>
+        <p:nvCxnSpPr>
+          <p:cNvPr id="7" name="Straight Arrow Connector 6">
+            <a:extLst>
+              <a:ext uri="{FF2B5EF4-FFF2-40B4-BE49-F238E27FC236}">
+                <a16:creationId xmlns:a16="http://schemas.microsoft.com/office/drawing/2014/main" id="{423CB315-CB22-E104-9BCC-0C94525FC07D}"/>
+              </a:ext>
+            </a:extLst>
+          </p:cNvPr>
+          <p:cNvCxnSpPr>
+            <a:stCxn id="4" idx="7"/>
+            <a:endCxn id="5" idx="1"/>
+          </p:cNvCxnSpPr>
+          <p:nvPr/>
+        </p:nvCxnSpPr>
+        <p:spPr>
+          <a:xfrm>
+            <a:off x="2098525" y="918995"/>
+            <a:ext cx="3331510" cy="0"/>
+          </a:xfrm>
+          <a:prstGeom prst="straightConnector1">
+            <a:avLst/>
+          </a:prstGeom>
+          <a:ln w="63500">
+            <a:solidFill>
+              <a:schemeClr val="tx1"/>
+            </a:solidFill>
+            <a:tailEnd type="triangle"/>
+          </a:ln>
+        </p:spPr>
+        <p:style>
+          <a:lnRef idx="1">
+            <a:schemeClr val="accent1"/>
+          </a:lnRef>
+          <a:fillRef idx="0">
+            <a:schemeClr val="accent1"/>
+          </a:fillRef>
+          <a:effectRef idx="0">
+            <a:schemeClr val="accent1"/>
+          </a:effectRef>
+          <a:fontRef idx="minor">
+            <a:schemeClr val="tx1"/>
+          </a:fontRef>
+        </p:style>
+      </p:cxnSp>
+      <p:cxnSp>
+        <p:nvCxnSpPr>
+          <p:cNvPr id="9" name="Straight Arrow Connector 8">
+            <a:extLst>
+              <a:ext uri="{FF2B5EF4-FFF2-40B4-BE49-F238E27FC236}">
+                <a16:creationId xmlns:a16="http://schemas.microsoft.com/office/drawing/2014/main" id="{28FAF7C9-BF47-951C-6870-3229CE6E9299}"/>
+              </a:ext>
+            </a:extLst>
+          </p:cNvPr>
+          <p:cNvCxnSpPr>
+            <a:stCxn id="5" idx="3"/>
+            <a:endCxn id="4" idx="5"/>
+          </p:cNvCxnSpPr>
+          <p:nvPr/>
+        </p:nvCxnSpPr>
+        <p:spPr>
+          <a:xfrm flipH="1">
+            <a:off x="2098525" y="1824205"/>
+            <a:ext cx="3331510" cy="0"/>
+          </a:xfrm>
+          <a:prstGeom prst="straightConnector1">
+            <a:avLst/>
+          </a:prstGeom>
+          <a:ln w="63500">
+            <a:solidFill>
+              <a:schemeClr val="tx1"/>
+            </a:solidFill>
+            <a:tailEnd type="triangle"/>
+          </a:ln>
+        </p:spPr>
+        <p:style>
+          <a:lnRef idx="1">
+            <a:schemeClr val="accent1"/>
+          </a:lnRef>
+          <a:fillRef idx="0">
+            <a:schemeClr val="accent1"/>
+          </a:fillRef>
+          <a:effectRef idx="0">
+            <a:schemeClr val="accent1"/>
+          </a:effectRef>
+          <a:fontRef idx="minor">
+            <a:schemeClr val="tx1"/>
+          </a:fontRef>
+        </p:style>
+      </p:cxnSp>
+      <p:sp>
+        <p:nvSpPr>
+          <p:cNvPr id="10" name="TextBox 9">
+            <a:extLst>
+              <a:ext uri="{FF2B5EF4-FFF2-40B4-BE49-F238E27FC236}">
+                <a16:creationId xmlns:a16="http://schemas.microsoft.com/office/drawing/2014/main" id="{ED0C4361-5308-10AA-E30E-EE606B6C6B7B}"/>
+              </a:ext>
+            </a:extLst>
+          </p:cNvPr>
+          <p:cNvSpPr txBox="1"/>
+          <p:nvPr/>
+        </p:nvSpPr>
+        <p:spPr>
+          <a:xfrm>
+            <a:off x="3331308" y="1824205"/>
+            <a:ext cx="631904" cy="707886"/>
+          </a:xfrm>
+          <a:prstGeom prst="rect">
+            <a:avLst/>
+          </a:prstGeom>
+          <a:noFill/>
+        </p:spPr>
+        <p:txBody>
+          <a:bodyPr wrap="none" rtlCol="0">
+            <a:spAutoFit/>
+          </a:bodyPr>
+          <a:lstStyle/>
+          <a:p>
+            <a:r>
+              <a:rPr lang="en-US" sz="4000" dirty="0"/>
+              <a:t>C</a:t>
+            </a:r>
+            <a:r>
+              <a:rPr lang="en-US" sz="4000" baseline="-25000" dirty="0"/>
+              <a:t>2</a:t>
+            </a:r>
+            <a:endParaRPr lang="en-US" sz="4000" dirty="0"/>
+          </a:p>
+        </p:txBody>
+      </p:sp>
+      <p:sp>
+        <p:nvSpPr>
+          <p:cNvPr id="11" name="TextBox 10">
+            <a:extLst>
+              <a:ext uri="{FF2B5EF4-FFF2-40B4-BE49-F238E27FC236}">
+                <a16:creationId xmlns:a16="http://schemas.microsoft.com/office/drawing/2014/main" id="{A9164B03-88D8-0029-6952-510A6B608AC1}"/>
+              </a:ext>
+            </a:extLst>
+          </p:cNvPr>
+          <p:cNvSpPr txBox="1"/>
+          <p:nvPr/>
+        </p:nvSpPr>
+        <p:spPr>
+          <a:xfrm>
+            <a:off x="3331308" y="117372"/>
+            <a:ext cx="631904" cy="707886"/>
+          </a:xfrm>
+          <a:prstGeom prst="rect">
+            <a:avLst/>
+          </a:prstGeom>
+          <a:noFill/>
+        </p:spPr>
+        <p:txBody>
+          <a:bodyPr wrap="none" rtlCol="0">
+            <a:spAutoFit/>
+          </a:bodyPr>
+          <a:lstStyle/>
+          <a:p>
+            <a:r>
+              <a:rPr lang="en-US" sz="4000" dirty="0"/>
+              <a:t>C</a:t>
+            </a:r>
+            <a:r>
+              <a:rPr lang="en-US" sz="4000" baseline="-25000" dirty="0"/>
+              <a:t>1</a:t>
+            </a:r>
+            <a:endParaRPr lang="en-US" sz="4000" dirty="0"/>
+          </a:p>
+        </p:txBody>
+      </p:sp>
+    </p:spTree>
+    <p:extLst>
+      <p:ext uri="{BB962C8B-B14F-4D97-AF65-F5344CB8AC3E}">
+        <p14:creationId xmlns:p14="http://schemas.microsoft.com/office/powerpoint/2010/main" val="2169149143"/>
+      </p:ext>
+    </p:extLst>
+  </p:cSld>
+  <p:clrMapOvr>
+    <a:masterClrMapping/>
+  </p:clrMapOvr>
+</p:sld>
+</file>
+
+<file path=ppt/slides/slide5.xml><?xml version="1.0" encoding="utf-8"?>
+<p:sld xmlns:a="http://schemas.openxmlformats.org/drawingml/2006/main" xmlns:r="http://schemas.openxmlformats.org/officeDocument/2006/relationships" xmlns:p="http://schemas.openxmlformats.org/presentationml/2006/main">
+  <p:cSld>
+    <p:spTree>
+      <p:nvGrpSpPr>
+        <p:cNvPr id="1" name=""/>
+        <p:cNvGrpSpPr/>
+        <p:nvPr/>
+      </p:nvGrpSpPr>
+      <p:grpSpPr>
+        <a:xfrm>
+          <a:off x="0" y="0"/>
+          <a:ext cx="0" cy="0"/>
+          <a:chOff x="0" y="0"/>
+          <a:chExt cx="0" cy="0"/>
+        </a:xfrm>
+      </p:grpSpPr>
+      <p:cxnSp>
+        <p:nvCxnSpPr>
+          <p:cNvPr id="14" name="Straight Connector 13">
+            <a:extLst>
+              <a:ext uri="{FF2B5EF4-FFF2-40B4-BE49-F238E27FC236}">
+                <a16:creationId xmlns:a16="http://schemas.microsoft.com/office/drawing/2014/main" id="{469C73A4-E7EC-9961-D643-C8AC3D6E6E88}"/>
+              </a:ext>
+            </a:extLst>
+          </p:cNvPr>
+          <p:cNvCxnSpPr/>
+          <p:nvPr/>
+        </p:nvCxnSpPr>
+        <p:spPr>
+          <a:xfrm>
+            <a:off x="3383280" y="1137920"/>
+            <a:ext cx="0" cy="5069840"/>
+          </a:xfrm>
+          <a:prstGeom prst="line">
+            <a:avLst/>
+          </a:prstGeom>
+          <a:ln w="50800">
+            <a:solidFill>
+              <a:schemeClr val="tx1"/>
+            </a:solidFill>
+          </a:ln>
+        </p:spPr>
+        <p:style>
+          <a:lnRef idx="1">
+            <a:schemeClr val="accent1"/>
+          </a:lnRef>
+          <a:fillRef idx="0">
+            <a:schemeClr val="accent1"/>
+          </a:fillRef>
+          <a:effectRef idx="0">
+            <a:schemeClr val="accent1"/>
+          </a:effectRef>
+          <a:fontRef idx="minor">
+            <a:schemeClr val="tx1"/>
+          </a:fontRef>
+        </p:style>
+      </p:cxnSp>
+      <p:cxnSp>
+        <p:nvCxnSpPr>
+          <p:cNvPr id="15" name="Straight Connector 14">
+            <a:extLst>
+              <a:ext uri="{FF2B5EF4-FFF2-40B4-BE49-F238E27FC236}">
+                <a16:creationId xmlns:a16="http://schemas.microsoft.com/office/drawing/2014/main" id="{1F02D448-D163-E7FE-B07B-4CB1E97A371C}"/>
+              </a:ext>
+            </a:extLst>
+          </p:cNvPr>
+          <p:cNvCxnSpPr/>
+          <p:nvPr/>
+        </p:nvCxnSpPr>
+        <p:spPr>
+          <a:xfrm>
+            <a:off x="5486400" y="1137920"/>
+            <a:ext cx="0" cy="5069840"/>
+          </a:xfrm>
+          <a:prstGeom prst="line">
+            <a:avLst/>
+          </a:prstGeom>
+          <a:ln w="50800">
+            <a:solidFill>
+              <a:schemeClr val="tx1"/>
+            </a:solidFill>
+          </a:ln>
+        </p:spPr>
+        <p:style>
+          <a:lnRef idx="1">
+            <a:schemeClr val="accent1"/>
+          </a:lnRef>
+          <a:fillRef idx="0">
+            <a:schemeClr val="accent1"/>
+          </a:fillRef>
+          <a:effectRef idx="0">
+            <a:schemeClr val="accent1"/>
+          </a:effectRef>
+          <a:fontRef idx="minor">
+            <a:schemeClr val="tx1"/>
+          </a:fontRef>
+        </p:style>
+      </p:cxnSp>
+      <p:sp>
+        <p:nvSpPr>
+          <p:cNvPr id="17" name="TextBox 16">
+            <a:extLst>
+              <a:ext uri="{FF2B5EF4-FFF2-40B4-BE49-F238E27FC236}">
+                <a16:creationId xmlns:a16="http://schemas.microsoft.com/office/drawing/2014/main" id="{33D713F3-DF1C-AE75-323F-FA47FB168A0D}"/>
+              </a:ext>
+            </a:extLst>
+          </p:cNvPr>
+          <p:cNvSpPr txBox="1"/>
+          <p:nvPr/>
+        </p:nvSpPr>
+        <p:spPr>
+          <a:xfrm>
+            <a:off x="3211598" y="650239"/>
+            <a:ext cx="343364" cy="461665"/>
+          </a:xfrm>
+          <a:prstGeom prst="rect">
+            <a:avLst/>
+          </a:prstGeom>
+          <a:noFill/>
+        </p:spPr>
+        <p:txBody>
+          <a:bodyPr wrap="none" rtlCol="0">
+            <a:spAutoFit/>
+          </a:bodyPr>
+          <a:lstStyle/>
+          <a:p>
+            <a:r>
+              <a:rPr lang="en-US" sz="2400" dirty="0"/>
+              <a:t>P</a:t>
+            </a:r>
+          </a:p>
+        </p:txBody>
+      </p:sp>
+      <p:sp>
+        <p:nvSpPr>
+          <p:cNvPr id="19" name="TextBox 18">
+            <a:extLst>
+              <a:ext uri="{FF2B5EF4-FFF2-40B4-BE49-F238E27FC236}">
+                <a16:creationId xmlns:a16="http://schemas.microsoft.com/office/drawing/2014/main" id="{C74333C2-E260-3E44-516D-DA5F901C4193}"/>
+              </a:ext>
+            </a:extLst>
+          </p:cNvPr>
+          <p:cNvSpPr txBox="1"/>
+          <p:nvPr/>
+        </p:nvSpPr>
+        <p:spPr>
+          <a:xfrm>
+            <a:off x="5290673" y="650240"/>
+            <a:ext cx="391454" cy="461665"/>
+          </a:xfrm>
+          <a:prstGeom prst="rect">
+            <a:avLst/>
+          </a:prstGeom>
+          <a:noFill/>
+        </p:spPr>
+        <p:txBody>
+          <a:bodyPr wrap="none" rtlCol="0">
+            <a:spAutoFit/>
+          </a:bodyPr>
+          <a:lstStyle/>
+          <a:p>
+            <a:r>
+              <a:rPr lang="en-US" sz="2400" dirty="0"/>
+              <a:t>Q</a:t>
+            </a:r>
+          </a:p>
+        </p:txBody>
+      </p:sp>
+      <p:cxnSp>
+        <p:nvCxnSpPr>
+          <p:cNvPr id="21" name="Straight Arrow Connector 20">
+            <a:extLst>
+              <a:ext uri="{FF2B5EF4-FFF2-40B4-BE49-F238E27FC236}">
+                <a16:creationId xmlns:a16="http://schemas.microsoft.com/office/drawing/2014/main" id="{00D11C70-02DF-176A-D8FE-91A149A8B34C}"/>
+              </a:ext>
+            </a:extLst>
+          </p:cNvPr>
+          <p:cNvCxnSpPr>
+            <a:cxnSpLocks/>
+          </p:cNvCxnSpPr>
+          <p:nvPr/>
+        </p:nvCxnSpPr>
+        <p:spPr>
+          <a:xfrm>
+            <a:off x="3383279" y="1554008"/>
+            <a:ext cx="2103120" cy="848951"/>
+          </a:xfrm>
+          <a:prstGeom prst="straightConnector1">
+            <a:avLst/>
+          </a:prstGeom>
+          <a:ln w="50800">
+            <a:solidFill>
+              <a:schemeClr val="tx1"/>
+            </a:solidFill>
+            <a:tailEnd type="triangle"/>
+          </a:ln>
+        </p:spPr>
+        <p:style>
+          <a:lnRef idx="1">
+            <a:schemeClr val="accent1"/>
+          </a:lnRef>
+          <a:fillRef idx="0">
+            <a:schemeClr val="accent1"/>
+          </a:fillRef>
+          <a:effectRef idx="0">
+            <a:schemeClr val="accent1"/>
+          </a:effectRef>
+          <a:fontRef idx="minor">
+            <a:schemeClr val="tx1"/>
+          </a:fontRef>
+        </p:style>
+      </p:cxnSp>
+      <p:cxnSp>
+        <p:nvCxnSpPr>
+          <p:cNvPr id="24" name="Straight Arrow Connector 23">
+            <a:extLst>
+              <a:ext uri="{FF2B5EF4-FFF2-40B4-BE49-F238E27FC236}">
+                <a16:creationId xmlns:a16="http://schemas.microsoft.com/office/drawing/2014/main" id="{C925409A-A759-D06D-6A6B-34AB2EA6A17E}"/>
+              </a:ext>
+            </a:extLst>
+          </p:cNvPr>
+          <p:cNvCxnSpPr>
+            <a:cxnSpLocks/>
+          </p:cNvCxnSpPr>
+          <p:nvPr/>
+        </p:nvCxnSpPr>
+        <p:spPr>
+          <a:xfrm>
+            <a:off x="3383279" y="2261072"/>
+            <a:ext cx="2103120" cy="1488677"/>
+          </a:xfrm>
+          <a:prstGeom prst="straightConnector1">
+            <a:avLst/>
+          </a:prstGeom>
+          <a:ln w="50800">
+            <a:solidFill>
+              <a:schemeClr val="tx1"/>
+            </a:solidFill>
+            <a:prstDash val="sysDash"/>
+            <a:tailEnd type="triangle"/>
+          </a:ln>
+        </p:spPr>
+        <p:style>
+          <a:lnRef idx="1">
+            <a:schemeClr val="accent1"/>
+          </a:lnRef>
+          <a:fillRef idx="0">
+            <a:schemeClr val="accent1"/>
+          </a:fillRef>
+          <a:effectRef idx="0">
+            <a:schemeClr val="accent1"/>
+          </a:effectRef>
+          <a:fontRef idx="minor">
+            <a:schemeClr val="tx1"/>
+          </a:fontRef>
+        </p:style>
+      </p:cxnSp>
+      <p:cxnSp>
+        <p:nvCxnSpPr>
+          <p:cNvPr id="26" name="Straight Arrow Connector 25">
+            <a:extLst>
+              <a:ext uri="{FF2B5EF4-FFF2-40B4-BE49-F238E27FC236}">
+                <a16:creationId xmlns:a16="http://schemas.microsoft.com/office/drawing/2014/main" id="{52E8EA53-3750-A4FA-E29B-44F087B05E02}"/>
+              </a:ext>
+            </a:extLst>
+          </p:cNvPr>
+          <p:cNvCxnSpPr>
+            <a:cxnSpLocks/>
+          </p:cNvCxnSpPr>
+          <p:nvPr/>
+        </p:nvCxnSpPr>
+        <p:spPr>
+          <a:xfrm flipH="1">
+            <a:off x="3383279" y="4628707"/>
+            <a:ext cx="2103119" cy="439479"/>
+          </a:xfrm>
+          <a:prstGeom prst="straightConnector1">
+            <a:avLst/>
+          </a:prstGeom>
+          <a:ln w="50800">
+            <a:solidFill>
+              <a:schemeClr val="tx1"/>
+            </a:solidFill>
+            <a:prstDash val="sysDash"/>
+            <a:tailEnd type="triangle"/>
+          </a:ln>
+        </p:spPr>
+        <p:style>
+          <a:lnRef idx="1">
+            <a:schemeClr val="accent1"/>
+          </a:lnRef>
+          <a:fillRef idx="0">
+            <a:schemeClr val="accent1"/>
+          </a:fillRef>
+          <a:effectRef idx="0">
+            <a:schemeClr val="accent1"/>
+          </a:effectRef>
+          <a:fontRef idx="minor">
+            <a:schemeClr val="tx1"/>
+          </a:fontRef>
+        </p:style>
+      </p:cxnSp>
+      <p:sp>
+        <p:nvSpPr>
+          <p:cNvPr id="29" name="TextBox 28">
+            <a:extLst>
+              <a:ext uri="{FF2B5EF4-FFF2-40B4-BE49-F238E27FC236}">
+                <a16:creationId xmlns:a16="http://schemas.microsoft.com/office/drawing/2014/main" id="{EDDB17EE-59A3-EDB6-C340-D16667F44F31}"/>
+              </a:ext>
+            </a:extLst>
+          </p:cNvPr>
+          <p:cNvSpPr txBox="1"/>
+          <p:nvPr/>
+        </p:nvSpPr>
+        <p:spPr>
+          <a:xfrm>
+            <a:off x="3974617" y="1535522"/>
+            <a:ext cx="920445" cy="369332"/>
+          </a:xfrm>
+          <a:prstGeom prst="rect">
+            <a:avLst/>
+          </a:prstGeom>
+          <a:noFill/>
+        </p:spPr>
+        <p:txBody>
+          <a:bodyPr wrap="none" rtlCol="0">
+            <a:spAutoFit/>
+          </a:bodyPr>
+          <a:lstStyle/>
+          <a:p>
+            <a:r>
+              <a:rPr lang="en-US" dirty="0"/>
+              <a:t>m on C</a:t>
+            </a:r>
+            <a:r>
+              <a:rPr lang="en-US" baseline="-25000" dirty="0"/>
+              <a:t>1</a:t>
+            </a:r>
+            <a:endParaRPr lang="en-US" dirty="0"/>
+          </a:p>
+        </p:txBody>
+      </p:sp>
+      <p:sp>
+        <p:nvSpPr>
+          <p:cNvPr id="30" name="TextBox 29">
+            <a:extLst>
+              <a:ext uri="{FF2B5EF4-FFF2-40B4-BE49-F238E27FC236}">
+                <a16:creationId xmlns:a16="http://schemas.microsoft.com/office/drawing/2014/main" id="{16BBAAF9-AFC8-6F32-7EFB-D1FE702934CD}"/>
+              </a:ext>
+            </a:extLst>
+          </p:cNvPr>
+          <p:cNvSpPr txBox="1"/>
+          <p:nvPr/>
+        </p:nvSpPr>
+        <p:spPr>
+          <a:xfrm>
+            <a:off x="3974615" y="2427252"/>
+            <a:ext cx="857927" cy="369332"/>
+          </a:xfrm>
+          <a:prstGeom prst="rect">
+            <a:avLst/>
+          </a:prstGeom>
+          <a:noFill/>
+        </p:spPr>
+        <p:txBody>
+          <a:bodyPr wrap="none" rtlCol="0">
+            <a:spAutoFit/>
+          </a:bodyPr>
+          <a:lstStyle/>
+          <a:p>
+            <a:r>
+              <a:rPr lang="en-US" dirty="0"/>
+              <a:t>p on C</a:t>
+            </a:r>
+            <a:r>
+              <a:rPr lang="en-US" baseline="-25000" dirty="0"/>
+              <a:t>1</a:t>
+            </a:r>
+            <a:endParaRPr lang="en-US" dirty="0"/>
+          </a:p>
+        </p:txBody>
+      </p:sp>
+      <p:sp>
+        <p:nvSpPr>
+          <p:cNvPr id="31" name="TextBox 30">
+            <a:extLst>
+              <a:ext uri="{FF2B5EF4-FFF2-40B4-BE49-F238E27FC236}">
+                <a16:creationId xmlns:a16="http://schemas.microsoft.com/office/drawing/2014/main" id="{4C59C7EB-066E-85FE-CED5-472F1FED8C0B}"/>
+              </a:ext>
+            </a:extLst>
+          </p:cNvPr>
+          <p:cNvSpPr txBox="1"/>
+          <p:nvPr/>
+        </p:nvSpPr>
+        <p:spPr>
+          <a:xfrm>
+            <a:off x="3917458" y="4360238"/>
+            <a:ext cx="857927" cy="369332"/>
+          </a:xfrm>
+          <a:prstGeom prst="rect">
+            <a:avLst/>
+          </a:prstGeom>
+          <a:noFill/>
+        </p:spPr>
+        <p:txBody>
+          <a:bodyPr wrap="none" rtlCol="0">
+            <a:spAutoFit/>
+          </a:bodyPr>
+          <a:lstStyle/>
+          <a:p>
+            <a:r>
+              <a:rPr lang="en-US" dirty="0"/>
+              <a:t>p on C</a:t>
+            </a:r>
+            <a:r>
+              <a:rPr lang="en-US" baseline="-25000" dirty="0"/>
+              <a:t>2</a:t>
+            </a:r>
+            <a:endParaRPr lang="en-US" dirty="0"/>
+          </a:p>
+        </p:txBody>
+      </p:sp>
+    </p:spTree>
+    <p:extLst>
+      <p:ext uri="{BB962C8B-B14F-4D97-AF65-F5344CB8AC3E}">
+        <p14:creationId xmlns:p14="http://schemas.microsoft.com/office/powerpoint/2010/main" val="1768612619"/>
+      </p:ext>
+    </p:extLst>
+  </p:cSld>
+  <p:clrMapOvr>
+    <a:masterClrMapping/>
+  </p:clrMapOvr>
+</p:sld>
+</file>
+
 <file path=ppt/theme/theme1.xml><?xml version="1.0" encoding="utf-8"?>
 <a:theme xmlns:a="http://schemas.openxmlformats.org/drawingml/2006/main" name="Office Theme">
   <a:themeElements>
